--- a/keyword_nurul izzah_(2023-02-08)/nurul izzah_sentiment.pptx
+++ b/keyword_nurul izzah_(2023-02-08)/nurul izzah_sentiment.pptx
@@ -105,6 +105,11 @@
       </a:defRPr>
     </a:lvl9pPr>
   </p:defaultTextStyle>
+  <p:extLst>
+    <p:ext uri="{EFAFB233-063F-42B5-8137-9DF3F51BA10A}">
+      <p15:sldGuideLst xmlns:p15="http://schemas.microsoft.com/office/powerpoint/2012/main"/>
+    </p:ext>
+  </p:extLst>
 </p:presentation>
 </file>
 
@@ -3345,10 +3350,10 @@
       </p:grpSpPr>
       <p:pic>
         <p:nvPicPr>
-          <p:cNvPr id="5" name="Picture 4">
-            <a:extLst>
-              <a:ext uri="{FF2B5EF4-FFF2-40B4-BE49-F238E27FC236}">
-                <a16:creationId xmlns:a16="http://schemas.microsoft.com/office/drawing/2014/main" id="{C918F00C-7641-A78B-01FA-DC212252FDEF}"/>
+          <p:cNvPr id="3" name="Picture 2">
+            <a:extLst>
+              <a:ext uri="{FF2B5EF4-FFF2-40B4-BE49-F238E27FC236}">
+                <a16:creationId xmlns:a16="http://schemas.microsoft.com/office/drawing/2014/main" id="{262E3979-6D36-82A8-EE0E-7C52F4ED1EF5}"/>
               </a:ext>
             </a:extLst>
           </p:cNvPr>
@@ -3371,8 +3376,8 @@
         </p:blipFill>
         <p:spPr>
           <a:xfrm>
-            <a:off x="396536" y="1898004"/>
-            <a:ext cx="11398928" cy="4351876"/>
+            <a:off x="791592" y="1832102"/>
+            <a:ext cx="10608815" cy="4772884"/>
           </a:xfrm>
           <a:prstGeom prst="rect">
             <a:avLst/>
@@ -3411,10 +3416,10 @@
       </p:grpSpPr>
       <p:pic>
         <p:nvPicPr>
-          <p:cNvPr id="5" name="Picture 4">
-            <a:extLst>
-              <a:ext uri="{FF2B5EF4-FFF2-40B4-BE49-F238E27FC236}">
-                <a16:creationId xmlns:a16="http://schemas.microsoft.com/office/drawing/2014/main" id="{FE6609F6-62A3-2DC8-5A9B-EE06814B8BF0}"/>
+          <p:cNvPr id="6" name="Picture 5">
+            <a:extLst>
+              <a:ext uri="{FF2B5EF4-FFF2-40B4-BE49-F238E27FC236}">
+                <a16:creationId xmlns:a16="http://schemas.microsoft.com/office/drawing/2014/main" id="{6684E96A-C03F-032B-54B4-0F31ECFA68A7}"/>
               </a:ext>
             </a:extLst>
           </p:cNvPr>
@@ -3437,8 +3442,8 @@
         </p:blipFill>
         <p:spPr>
           <a:xfrm>
-            <a:off x="516384" y="1797102"/>
-            <a:ext cx="10821880" cy="4559310"/>
+            <a:off x="1275425" y="1952586"/>
+            <a:ext cx="9641150" cy="4377194"/>
           </a:xfrm>
           <a:prstGeom prst="rect">
             <a:avLst/>

--- a/keyword_nurul izzah_(2023-02-08)/nurul izzah_sentiment.pptx
+++ b/keyword_nurul izzah_(2023-02-08)/nurul izzah_sentiment.pptx
@@ -262,7 +262,7 @@
           <a:p>
             <a:fld id="{6E0664F0-C87E-4AA3-AD37-9AA160261904}" type="datetimeFigureOut">
               <a:rPr lang="en-MY" smtClean="0"/>
-              <a:t>8/2/2023</a:t>
+              <a:t>9/2/2023</a:t>
             </a:fld>
             <a:endParaRPr lang="en-MY"/>
           </a:p>
@@ -462,7 +462,7 @@
           <a:p>
             <a:fld id="{6E0664F0-C87E-4AA3-AD37-9AA160261904}" type="datetimeFigureOut">
               <a:rPr lang="en-MY" smtClean="0"/>
-              <a:t>8/2/2023</a:t>
+              <a:t>9/2/2023</a:t>
             </a:fld>
             <a:endParaRPr lang="en-MY"/>
           </a:p>
@@ -672,7 +672,7 @@
           <a:p>
             <a:fld id="{6E0664F0-C87E-4AA3-AD37-9AA160261904}" type="datetimeFigureOut">
               <a:rPr lang="en-MY" smtClean="0"/>
-              <a:t>8/2/2023</a:t>
+              <a:t>9/2/2023</a:t>
             </a:fld>
             <a:endParaRPr lang="en-MY"/>
           </a:p>
@@ -872,7 +872,7 @@
           <a:p>
             <a:fld id="{6E0664F0-C87E-4AA3-AD37-9AA160261904}" type="datetimeFigureOut">
               <a:rPr lang="en-MY" smtClean="0"/>
-              <a:t>8/2/2023</a:t>
+              <a:t>9/2/2023</a:t>
             </a:fld>
             <a:endParaRPr lang="en-MY"/>
           </a:p>
@@ -1148,7 +1148,7 @@
           <a:p>
             <a:fld id="{6E0664F0-C87E-4AA3-AD37-9AA160261904}" type="datetimeFigureOut">
               <a:rPr lang="en-MY" smtClean="0"/>
-              <a:t>8/2/2023</a:t>
+              <a:t>9/2/2023</a:t>
             </a:fld>
             <a:endParaRPr lang="en-MY"/>
           </a:p>
@@ -1416,7 +1416,7 @@
           <a:p>
             <a:fld id="{6E0664F0-C87E-4AA3-AD37-9AA160261904}" type="datetimeFigureOut">
               <a:rPr lang="en-MY" smtClean="0"/>
-              <a:t>8/2/2023</a:t>
+              <a:t>9/2/2023</a:t>
             </a:fld>
             <a:endParaRPr lang="en-MY"/>
           </a:p>
@@ -1831,7 +1831,7 @@
           <a:p>
             <a:fld id="{6E0664F0-C87E-4AA3-AD37-9AA160261904}" type="datetimeFigureOut">
               <a:rPr lang="en-MY" smtClean="0"/>
-              <a:t>8/2/2023</a:t>
+              <a:t>9/2/2023</a:t>
             </a:fld>
             <a:endParaRPr lang="en-MY"/>
           </a:p>
@@ -1973,7 +1973,7 @@
           <a:p>
             <a:fld id="{6E0664F0-C87E-4AA3-AD37-9AA160261904}" type="datetimeFigureOut">
               <a:rPr lang="en-MY" smtClean="0"/>
-              <a:t>8/2/2023</a:t>
+              <a:t>9/2/2023</a:t>
             </a:fld>
             <a:endParaRPr lang="en-MY"/>
           </a:p>
@@ -2086,7 +2086,7 @@
           <a:p>
             <a:fld id="{6E0664F0-C87E-4AA3-AD37-9AA160261904}" type="datetimeFigureOut">
               <a:rPr lang="en-MY" smtClean="0"/>
-              <a:t>8/2/2023</a:t>
+              <a:t>9/2/2023</a:t>
             </a:fld>
             <a:endParaRPr lang="en-MY"/>
           </a:p>
@@ -2399,7 +2399,7 @@
           <a:p>
             <a:fld id="{6E0664F0-C87E-4AA3-AD37-9AA160261904}" type="datetimeFigureOut">
               <a:rPr lang="en-MY" smtClean="0"/>
-              <a:t>8/2/2023</a:t>
+              <a:t>9/2/2023</a:t>
             </a:fld>
             <a:endParaRPr lang="en-MY"/>
           </a:p>
@@ -2688,7 +2688,7 @@
           <a:p>
             <a:fld id="{6E0664F0-C87E-4AA3-AD37-9AA160261904}" type="datetimeFigureOut">
               <a:rPr lang="en-MY" smtClean="0"/>
-              <a:t>8/2/2023</a:t>
+              <a:t>9/2/2023</a:t>
             </a:fld>
             <a:endParaRPr lang="en-MY"/>
           </a:p>
@@ -2931,7 +2931,7 @@
           <a:p>
             <a:fld id="{6E0664F0-C87E-4AA3-AD37-9AA160261904}" type="datetimeFigureOut">
               <a:rPr lang="en-MY" smtClean="0"/>
-              <a:t>8/2/2023</a:t>
+              <a:t>9/2/2023</a:t>
             </a:fld>
             <a:endParaRPr lang="en-MY"/>
           </a:p>
@@ -3442,7 +3442,7 @@
         </p:blipFill>
         <p:spPr>
           <a:xfrm>
-            <a:off x="1275425" y="1952586"/>
+            <a:off x="1041646" y="1952586"/>
             <a:ext cx="9641150" cy="4377194"/>
           </a:xfrm>
           <a:prstGeom prst="rect">
@@ -3450,6 +3450,396 @@
           </a:prstGeom>
         </p:spPr>
       </p:pic>
+      <p:sp>
+        <p:nvSpPr>
+          <p:cNvPr id="2" name="TextBox 1">
+            <a:extLst>
+              <a:ext uri="{FF2B5EF4-FFF2-40B4-BE49-F238E27FC236}">
+                <a16:creationId xmlns:a16="http://schemas.microsoft.com/office/drawing/2014/main" id="{0F580E0C-FE82-3C0A-8B13-8EB5C07EC236}"/>
+              </a:ext>
+            </a:extLst>
+          </p:cNvPr>
+          <p:cNvSpPr txBox="1"/>
+          <p:nvPr/>
+        </p:nvSpPr>
+        <p:spPr>
+          <a:xfrm>
+            <a:off x="6096000" y="2336307"/>
+            <a:ext cx="852255" cy="307777"/>
+          </a:xfrm>
+          <a:prstGeom prst="rect">
+            <a:avLst/>
+          </a:prstGeom>
+          <a:noFill/>
+        </p:spPr>
+        <p:txBody>
+          <a:bodyPr wrap="square" rtlCol="0">
+            <a:spAutoFit/>
+          </a:bodyPr>
+          <a:lstStyle/>
+          <a:p>
+            <a:r>
+              <a:rPr lang="en-MY" sz="1400" dirty="0">
+                <a:solidFill>
+                  <a:srgbClr val="FF0000"/>
+                </a:solidFill>
+              </a:rPr>
+              <a:t>Principle</a:t>
+            </a:r>
+          </a:p>
+        </p:txBody>
+      </p:sp>
+      <p:sp>
+        <p:nvSpPr>
+          <p:cNvPr id="3" name="TextBox 2">
+            <a:extLst>
+              <a:ext uri="{FF2B5EF4-FFF2-40B4-BE49-F238E27FC236}">
+                <a16:creationId xmlns:a16="http://schemas.microsoft.com/office/drawing/2014/main" id="{965C9061-38D4-9FCC-7E88-F144F8F9263F}"/>
+              </a:ext>
+            </a:extLst>
+          </p:cNvPr>
+          <p:cNvSpPr txBox="1"/>
+          <p:nvPr/>
+        </p:nvSpPr>
+        <p:spPr>
+          <a:xfrm>
+            <a:off x="2610774" y="3429000"/>
+            <a:ext cx="1010574" cy="307777"/>
+          </a:xfrm>
+          <a:prstGeom prst="rect">
+            <a:avLst/>
+          </a:prstGeom>
+          <a:noFill/>
+        </p:spPr>
+        <p:txBody>
+          <a:bodyPr wrap="square" rtlCol="0">
+            <a:spAutoFit/>
+          </a:bodyPr>
+          <a:lstStyle/>
+          <a:p>
+            <a:r>
+              <a:rPr lang="en-MY" sz="1400" dirty="0">
+                <a:solidFill>
+                  <a:srgbClr val="FF0000"/>
+                </a:solidFill>
+              </a:rPr>
+              <a:t>Nepotism</a:t>
+            </a:r>
+          </a:p>
+        </p:txBody>
+      </p:sp>
+      <p:sp>
+        <p:nvSpPr>
+          <p:cNvPr id="4" name="TextBox 3">
+            <a:extLst>
+              <a:ext uri="{FF2B5EF4-FFF2-40B4-BE49-F238E27FC236}">
+                <a16:creationId xmlns:a16="http://schemas.microsoft.com/office/drawing/2014/main" id="{0681ADB1-CCFE-E71C-6A1B-9818B6729181}"/>
+              </a:ext>
+            </a:extLst>
+          </p:cNvPr>
+          <p:cNvSpPr txBox="1"/>
+          <p:nvPr/>
+        </p:nvSpPr>
+        <p:spPr>
+          <a:xfrm>
+            <a:off x="2689934" y="2336307"/>
+            <a:ext cx="852255" cy="307777"/>
+          </a:xfrm>
+          <a:prstGeom prst="rect">
+            <a:avLst/>
+          </a:prstGeom>
+          <a:noFill/>
+        </p:spPr>
+        <p:txBody>
+          <a:bodyPr wrap="square" rtlCol="0">
+            <a:spAutoFit/>
+          </a:bodyPr>
+          <a:lstStyle/>
+          <a:p>
+            <a:r>
+              <a:rPr lang="en-MY" sz="1400" dirty="0">
+                <a:solidFill>
+                  <a:srgbClr val="FF0000"/>
+                </a:solidFill>
+              </a:rPr>
+              <a:t>Principle</a:t>
+            </a:r>
+          </a:p>
+        </p:txBody>
+      </p:sp>
+      <p:sp>
+        <p:nvSpPr>
+          <p:cNvPr id="7" name="TextBox 6">
+            <a:extLst>
+              <a:ext uri="{FF2B5EF4-FFF2-40B4-BE49-F238E27FC236}">
+                <a16:creationId xmlns:a16="http://schemas.microsoft.com/office/drawing/2014/main" id="{86D58007-31CA-0AEE-48C9-772486FD2901}"/>
+              </a:ext>
+            </a:extLst>
+          </p:cNvPr>
+          <p:cNvSpPr txBox="1"/>
+          <p:nvPr/>
+        </p:nvSpPr>
+        <p:spPr>
+          <a:xfrm>
+            <a:off x="9351146" y="2515366"/>
+            <a:ext cx="1010574" cy="307777"/>
+          </a:xfrm>
+          <a:prstGeom prst="rect">
+            <a:avLst/>
+          </a:prstGeom>
+          <a:noFill/>
+        </p:spPr>
+        <p:txBody>
+          <a:bodyPr wrap="square" rtlCol="0">
+            <a:spAutoFit/>
+          </a:bodyPr>
+          <a:lstStyle/>
+          <a:p>
+            <a:r>
+              <a:rPr lang="en-MY" sz="1400" dirty="0">
+                <a:solidFill>
+                  <a:srgbClr val="FF0000"/>
+                </a:solidFill>
+              </a:rPr>
+              <a:t>Nepotism</a:t>
+            </a:r>
+          </a:p>
+        </p:txBody>
+      </p:sp>
+      <p:sp>
+        <p:nvSpPr>
+          <p:cNvPr id="8" name="TextBox 7">
+            <a:extLst>
+              <a:ext uri="{FF2B5EF4-FFF2-40B4-BE49-F238E27FC236}">
+                <a16:creationId xmlns:a16="http://schemas.microsoft.com/office/drawing/2014/main" id="{C450C2EE-38E5-2385-6B2E-A4A51161084E}"/>
+              </a:ext>
+            </a:extLst>
+          </p:cNvPr>
+          <p:cNvSpPr txBox="1"/>
+          <p:nvPr/>
+        </p:nvSpPr>
+        <p:spPr>
+          <a:xfrm>
+            <a:off x="6016840" y="3428999"/>
+            <a:ext cx="1010574" cy="307777"/>
+          </a:xfrm>
+          <a:prstGeom prst="rect">
+            <a:avLst/>
+          </a:prstGeom>
+          <a:noFill/>
+        </p:spPr>
+        <p:txBody>
+          <a:bodyPr wrap="square" rtlCol="0">
+            <a:spAutoFit/>
+          </a:bodyPr>
+          <a:lstStyle/>
+          <a:p>
+            <a:r>
+              <a:rPr lang="en-MY" sz="1400" dirty="0">
+                <a:solidFill>
+                  <a:srgbClr val="FF0000"/>
+                </a:solidFill>
+              </a:rPr>
+              <a:t>Nepotism</a:t>
+            </a:r>
+          </a:p>
+        </p:txBody>
+      </p:sp>
+      <p:sp>
+        <p:nvSpPr>
+          <p:cNvPr id="9" name="TextBox 8">
+            <a:extLst>
+              <a:ext uri="{FF2B5EF4-FFF2-40B4-BE49-F238E27FC236}">
+                <a16:creationId xmlns:a16="http://schemas.microsoft.com/office/drawing/2014/main" id="{2D1CA2B8-50EE-D29E-628C-7B6F95DBA234}"/>
+              </a:ext>
+            </a:extLst>
+          </p:cNvPr>
+          <p:cNvSpPr txBox="1"/>
+          <p:nvPr/>
+        </p:nvSpPr>
+        <p:spPr>
+          <a:xfrm>
+            <a:off x="9351146" y="5756428"/>
+            <a:ext cx="1010574" cy="307777"/>
+          </a:xfrm>
+          <a:prstGeom prst="rect">
+            <a:avLst/>
+          </a:prstGeom>
+          <a:noFill/>
+        </p:spPr>
+        <p:txBody>
+          <a:bodyPr wrap="square" rtlCol="0">
+            <a:spAutoFit/>
+          </a:bodyPr>
+          <a:lstStyle/>
+          <a:p>
+            <a:r>
+              <a:rPr lang="en-MY" sz="1400" dirty="0">
+                <a:solidFill>
+                  <a:srgbClr val="FF0000"/>
+                </a:solidFill>
+              </a:rPr>
+              <a:t>Nepotism</a:t>
+            </a:r>
+          </a:p>
+        </p:txBody>
+      </p:sp>
+      <p:sp>
+        <p:nvSpPr>
+          <p:cNvPr id="10" name="TextBox 9">
+            <a:extLst>
+              <a:ext uri="{FF2B5EF4-FFF2-40B4-BE49-F238E27FC236}">
+                <a16:creationId xmlns:a16="http://schemas.microsoft.com/office/drawing/2014/main" id="{674CCF3C-C815-2305-8C54-5D4B3581F673}"/>
+              </a:ext>
+            </a:extLst>
+          </p:cNvPr>
+          <p:cNvSpPr txBox="1"/>
+          <p:nvPr/>
+        </p:nvSpPr>
+        <p:spPr>
+          <a:xfrm>
+            <a:off x="5963573" y="5602539"/>
+            <a:ext cx="852255" cy="307777"/>
+          </a:xfrm>
+          <a:prstGeom prst="rect">
+            <a:avLst/>
+          </a:prstGeom>
+          <a:noFill/>
+        </p:spPr>
+        <p:txBody>
+          <a:bodyPr wrap="square" rtlCol="0">
+            <a:spAutoFit/>
+          </a:bodyPr>
+          <a:lstStyle/>
+          <a:p>
+            <a:r>
+              <a:rPr lang="en-MY" sz="1400" dirty="0">
+                <a:solidFill>
+                  <a:srgbClr val="FF0000"/>
+                </a:solidFill>
+              </a:rPr>
+              <a:t>Principle</a:t>
+            </a:r>
+          </a:p>
+        </p:txBody>
+      </p:sp>
+      <p:sp>
+        <p:nvSpPr>
+          <p:cNvPr id="11" name="TextBox 10">
+            <a:extLst>
+              <a:ext uri="{FF2B5EF4-FFF2-40B4-BE49-F238E27FC236}">
+                <a16:creationId xmlns:a16="http://schemas.microsoft.com/office/drawing/2014/main" id="{C52E7B0E-727D-5AAE-9587-397044D8EBFB}"/>
+              </a:ext>
+            </a:extLst>
+          </p:cNvPr>
+          <p:cNvSpPr txBox="1"/>
+          <p:nvPr/>
+        </p:nvSpPr>
+        <p:spPr>
+          <a:xfrm>
+            <a:off x="9386656" y="4894556"/>
+            <a:ext cx="852255" cy="307777"/>
+          </a:xfrm>
+          <a:prstGeom prst="rect">
+            <a:avLst/>
+          </a:prstGeom>
+          <a:noFill/>
+        </p:spPr>
+        <p:txBody>
+          <a:bodyPr wrap="square" rtlCol="0">
+            <a:spAutoFit/>
+          </a:bodyPr>
+          <a:lstStyle/>
+          <a:p>
+            <a:r>
+              <a:rPr lang="en-MY" sz="1400" dirty="0">
+                <a:solidFill>
+                  <a:srgbClr val="FF0000"/>
+                </a:solidFill>
+              </a:rPr>
+              <a:t>Principle</a:t>
+            </a:r>
+          </a:p>
+        </p:txBody>
+      </p:sp>
+      <p:sp>
+        <p:nvSpPr>
+          <p:cNvPr id="12" name="TextBox 11">
+            <a:extLst>
+              <a:ext uri="{FF2B5EF4-FFF2-40B4-BE49-F238E27FC236}">
+                <a16:creationId xmlns:a16="http://schemas.microsoft.com/office/drawing/2014/main" id="{DCA2066C-FD9F-4961-DCC4-B43E5F813FED}"/>
+              </a:ext>
+            </a:extLst>
+          </p:cNvPr>
+          <p:cNvSpPr txBox="1"/>
+          <p:nvPr/>
+        </p:nvSpPr>
+        <p:spPr>
+          <a:xfrm>
+            <a:off x="2500912" y="5835588"/>
+            <a:ext cx="1463335" cy="307777"/>
+          </a:xfrm>
+          <a:prstGeom prst="rect">
+            <a:avLst/>
+          </a:prstGeom>
+          <a:noFill/>
+        </p:spPr>
+        <p:txBody>
+          <a:bodyPr wrap="square" rtlCol="0">
+            <a:spAutoFit/>
+          </a:bodyPr>
+          <a:lstStyle/>
+          <a:p>
+            <a:r>
+              <a:rPr lang="en-MY" sz="1400" dirty="0">
+                <a:solidFill>
+                  <a:srgbClr val="00B050"/>
+                </a:solidFill>
+              </a:rPr>
+              <a:t>Credibility/Merit</a:t>
+            </a:r>
+          </a:p>
+        </p:txBody>
+      </p:sp>
+      <p:sp>
+        <p:nvSpPr>
+          <p:cNvPr id="13" name="TextBox 12">
+            <a:extLst>
+              <a:ext uri="{FF2B5EF4-FFF2-40B4-BE49-F238E27FC236}">
+                <a16:creationId xmlns:a16="http://schemas.microsoft.com/office/drawing/2014/main" id="{D20458E5-4E92-AE54-C2E4-B129C7C7CFC9}"/>
+              </a:ext>
+            </a:extLst>
+          </p:cNvPr>
+          <p:cNvSpPr txBox="1"/>
+          <p:nvPr/>
+        </p:nvSpPr>
+        <p:spPr>
+          <a:xfrm>
+            <a:off x="5963573" y="4571612"/>
+            <a:ext cx="1010574" cy="307777"/>
+          </a:xfrm>
+          <a:prstGeom prst="rect">
+            <a:avLst/>
+          </a:prstGeom>
+          <a:noFill/>
+        </p:spPr>
+        <p:txBody>
+          <a:bodyPr wrap="square" rtlCol="0">
+            <a:spAutoFit/>
+          </a:bodyPr>
+          <a:lstStyle/>
+          <a:p>
+            <a:r>
+              <a:rPr lang="en-MY" sz="1400" dirty="0">
+                <a:solidFill>
+                  <a:srgbClr val="FF0000"/>
+                </a:solidFill>
+              </a:rPr>
+              <a:t>Nepotism</a:t>
+            </a:r>
+          </a:p>
+        </p:txBody>
+      </p:sp>
     </p:spTree>
     <p:extLst>
       <p:ext uri="{BB962C8B-B14F-4D97-AF65-F5344CB8AC3E}">
